--- a/Presentation.pptx
+++ b/Presentation.pptx
@@ -1,11 +1,19 @@
 
 <file path=ppt/presentation.xml><?xml version="1.0" encoding="utf-8"?>
-<p:presentation xmlns:a="http://schemas.openxmlformats.org/drawingml/2006/main" xmlns:r="http://schemas.openxmlformats.org/officeDocument/2006/relationships" xmlns:p="http://schemas.openxmlformats.org/presentationml/2006/main" saveSubsetFonts="1">
+<p:presentation xmlns:a="http://schemas.openxmlformats.org/drawingml/2006/main" xmlns:r="http://schemas.openxmlformats.org/officeDocument/2006/relationships" xmlns:mc="http://schemas.openxmlformats.org/markup-compatibility/2006" xmlns:mv="urn:schemas-microsoft-com:mac:vml" xmlns:p="http://schemas.openxmlformats.org/presentationml/2006/main" mc:Ignorable="mv" mc:PreserveAttributes="mv:*" saveSubsetFonts="1">
   <p:sldMasterIdLst>
-    <p:sldMasterId id="2147483648" r:id="rId1"/>
+    <p:sldMasterId r:id="rId1"/>
   </p:sldMasterIdLst>
   <p:sldIdLst>
     <p:sldId id="256" r:id="rId2"/>
+    <p:sldId id="257" r:id="rId3"/>
+    <p:sldId id="258" r:id="rId4"/>
+    <p:sldId id="259" r:id="rId5"/>
+    <p:sldId id="260" r:id="rId6"/>
+    <p:sldId id="261" r:id="rId7"/>
+    <p:sldId id="262" r:id="rId8"/>
+    <p:sldId id="263" r:id="rId9"/>
+    <p:sldId id="264" r:id="rId10"/>
   </p:sldIdLst>
   <p:sldSz cx="9144000" cy="5143500" type="screen16x9"/>
   <p:notesSz cx="6858000" cy="9144000"/>
@@ -108,7 +116,7 @@
 </file>
 
 <file path=ppt/slideLayouts/slideLayout1.xml><?xml version="1.0" encoding="utf-8"?>
-<p:sldLayout xmlns:a="http://schemas.openxmlformats.org/drawingml/2006/main" xmlns:r="http://schemas.openxmlformats.org/officeDocument/2006/relationships" xmlns:p="http://schemas.openxmlformats.org/presentationml/2006/main" showMasterSp="0" type="title" preserve="1">
+<p:sldLayout xmlns:a="http://schemas.openxmlformats.org/drawingml/2006/main" xmlns:r="http://schemas.openxmlformats.org/officeDocument/2006/relationships" xmlns:mc="http://schemas.openxmlformats.org/markup-compatibility/2006" xmlns:mv="urn:schemas-microsoft-com:mac:vml" xmlns:p="http://schemas.openxmlformats.org/presentationml/2006/main" mc:Ignorable="mv" mc:PreserveAttributes="mv:*" showMasterSp="0" type="title" preserve="1">
   <p:cSld name="Title Slide">
     <p:spTree>
       <p:nvGrpSpPr>
@@ -361,7 +369,7 @@
             <a:fld id="{34D8DEE8-7A87-4E01-8ADE-4C49CDD43F74}" type="datetime1">
               <a:rPr lang="en-US" smtClean="0"/>
               <a:pPr/>
-              <a:t>12.03.14</a:t>
+              <a:t>3/16/14</a:t>
             </a:fld>
             <a:endParaRPr lang="en-US" dirty="0"/>
           </a:p>
@@ -468,7 +476,7 @@
 </file>
 
 <file path=ppt/slideLayouts/slideLayout10.xml><?xml version="1.0" encoding="utf-8"?>
-<p:sldLayout xmlns:a="http://schemas.openxmlformats.org/drawingml/2006/main" xmlns:r="http://schemas.openxmlformats.org/officeDocument/2006/relationships" xmlns:p="http://schemas.openxmlformats.org/presentationml/2006/main" type="vertTx" preserve="1">
+<p:sldLayout xmlns:a="http://schemas.openxmlformats.org/drawingml/2006/main" xmlns:r="http://schemas.openxmlformats.org/officeDocument/2006/relationships" xmlns:mc="http://schemas.openxmlformats.org/markup-compatibility/2006" xmlns:mv="urn:schemas-microsoft-com:mac:vml" xmlns:p="http://schemas.openxmlformats.org/presentationml/2006/main" mc:Ignorable="mv" mc:PreserveAttributes="mv:*" type="vertTx" preserve="1">
   <p:cSld name="Title and Vertical Text">
     <p:spTree>
       <p:nvGrpSpPr>
@@ -577,7 +585,7 @@
             <a:fld id="{7F8F9461-E3EB-40CD-B93F-E5CBBBD8E0BA}" type="datetimeFigureOut">
               <a:rPr lang="en-US" smtClean="0"/>
               <a:pPr/>
-              <a:t>12.03.14</a:t>
+              <a:t>3/16/14</a:t>
             </a:fld>
             <a:endParaRPr lang="en-US"/>
           </a:p>
@@ -635,7 +643,7 @@
 </file>
 
 <file path=ppt/slideLayouts/slideLayout11.xml><?xml version="1.0" encoding="utf-8"?>
-<p:sldLayout xmlns:a="http://schemas.openxmlformats.org/drawingml/2006/main" xmlns:r="http://schemas.openxmlformats.org/officeDocument/2006/relationships" xmlns:p="http://schemas.openxmlformats.org/presentationml/2006/main" showMasterSp="0" type="vertTitleAndTx" preserve="1">
+<p:sldLayout xmlns:a="http://schemas.openxmlformats.org/drawingml/2006/main" xmlns:r="http://schemas.openxmlformats.org/officeDocument/2006/relationships" xmlns:mc="http://schemas.openxmlformats.org/markup-compatibility/2006" xmlns:mv="urn:schemas-microsoft-com:mac:vml" xmlns:p="http://schemas.openxmlformats.org/presentationml/2006/main" mc:Ignorable="mv" mc:PreserveAttributes="mv:*" showMasterSp="0" type="vertTitleAndTx" preserve="1">
   <p:cSld name="Vertical Title and Text">
     <p:spTree>
       <p:nvGrpSpPr>
@@ -846,7 +854,7 @@
             <a:fld id="{60578FA3-38AD-400D-A4D2-18E8EF129E5F}" type="datetime1">
               <a:rPr lang="en-US" smtClean="0"/>
               <a:pPr/>
-              <a:t>12.03.14</a:t>
+              <a:t>3/16/14</a:t>
             </a:fld>
             <a:endParaRPr lang="en-US"/>
           </a:p>
@@ -912,7 +920,7 @@
 </file>
 
 <file path=ppt/slideLayouts/slideLayout2.xml><?xml version="1.0" encoding="utf-8"?>
-<p:sldLayout xmlns:a="http://schemas.openxmlformats.org/drawingml/2006/main" xmlns:r="http://schemas.openxmlformats.org/officeDocument/2006/relationships" xmlns:p="http://schemas.openxmlformats.org/presentationml/2006/main" type="obj" preserve="1">
+<p:sldLayout xmlns:a="http://schemas.openxmlformats.org/drawingml/2006/main" xmlns:r="http://schemas.openxmlformats.org/officeDocument/2006/relationships" xmlns:mc="http://schemas.openxmlformats.org/markup-compatibility/2006" xmlns:mv="urn:schemas-microsoft-com:mac:vml" xmlns:p="http://schemas.openxmlformats.org/presentationml/2006/main" mc:Ignorable="mv" mc:PreserveAttributes="mv:*" type="obj" preserve="1">
   <p:cSld name="Title and Content">
     <p:spTree>
       <p:nvGrpSpPr>
@@ -998,7 +1006,7 @@
             <a:fld id="{A2EFF424-F111-43CB-9C75-D52325012943}" type="datetime1">
               <a:rPr lang="en-US" smtClean="0"/>
               <a:pPr/>
-              <a:t>12.03.14</a:t>
+              <a:t>3/16/14</a:t>
             </a:fld>
             <a:endParaRPr lang="en-US"/>
           </a:p>
@@ -1079,7 +1087,7 @@
 </file>
 
 <file path=ppt/slideLayouts/slideLayout3.xml><?xml version="1.0" encoding="utf-8"?>
-<p:sldLayout xmlns:a="http://schemas.openxmlformats.org/drawingml/2006/main" xmlns:r="http://schemas.openxmlformats.org/officeDocument/2006/relationships" xmlns:p="http://schemas.openxmlformats.org/presentationml/2006/main" showMasterSp="0" type="secHead" preserve="1">
+<p:sldLayout xmlns:a="http://schemas.openxmlformats.org/drawingml/2006/main" xmlns:r="http://schemas.openxmlformats.org/officeDocument/2006/relationships" xmlns:mc="http://schemas.openxmlformats.org/markup-compatibility/2006" xmlns:mv="urn:schemas-microsoft-com:mac:vml" xmlns:p="http://schemas.openxmlformats.org/presentationml/2006/main" mc:Ignorable="mv" mc:PreserveAttributes="mv:*" showMasterSp="0" type="secHead" preserve="1">
   <p:cSld name="Section Header">
     <p:spTree>
       <p:nvGrpSpPr>
@@ -1330,7 +1338,7 @@
             <a:fld id="{74A8BBF0-342D-409A-9C0A-B1B451E92883}" type="datetime1">
               <a:rPr lang="en-US" smtClean="0"/>
               <a:pPr/>
-              <a:t>12.03.14</a:t>
+              <a:t>3/16/14</a:t>
             </a:fld>
             <a:endParaRPr lang="en-US" dirty="0"/>
           </a:p>
@@ -1437,7 +1445,7 @@
 </file>
 
 <file path=ppt/slideLayouts/slideLayout4.xml><?xml version="1.0" encoding="utf-8"?>
-<p:sldLayout xmlns:a="http://schemas.openxmlformats.org/drawingml/2006/main" xmlns:r="http://schemas.openxmlformats.org/officeDocument/2006/relationships" xmlns:p="http://schemas.openxmlformats.org/presentationml/2006/main" type="twoObj" preserve="1">
+<p:sldLayout xmlns:a="http://schemas.openxmlformats.org/drawingml/2006/main" xmlns:r="http://schemas.openxmlformats.org/officeDocument/2006/relationships" xmlns:mc="http://schemas.openxmlformats.org/markup-compatibility/2006" xmlns:mv="urn:schemas-microsoft-com:mac:vml" xmlns:p="http://schemas.openxmlformats.org/presentationml/2006/main" mc:Ignorable="mv" mc:PreserveAttributes="mv:*" type="twoObj" preserve="1">
   <p:cSld name="Two Content">
     <p:spTree>
       <p:nvGrpSpPr>
@@ -1641,7 +1649,7 @@
             <a:fld id="{345DA190-4BDC-4D39-B5BB-A14B3E8B1B3D}" type="datetime1">
               <a:rPr lang="en-US" smtClean="0"/>
               <a:pPr/>
-              <a:t>12.03.14</a:t>
+              <a:t>3/16/14</a:t>
             </a:fld>
             <a:endParaRPr lang="en-US"/>
           </a:p>
@@ -1722,7 +1730,7 @@
 </file>
 
 <file path=ppt/slideLayouts/slideLayout5.xml><?xml version="1.0" encoding="utf-8"?>
-<p:sldLayout xmlns:a="http://schemas.openxmlformats.org/drawingml/2006/main" xmlns:r="http://schemas.openxmlformats.org/officeDocument/2006/relationships" xmlns:p="http://schemas.openxmlformats.org/presentationml/2006/main" type="twoTxTwoObj" preserve="1">
+<p:sldLayout xmlns:a="http://schemas.openxmlformats.org/drawingml/2006/main" xmlns:r="http://schemas.openxmlformats.org/officeDocument/2006/relationships" xmlns:mc="http://schemas.openxmlformats.org/markup-compatibility/2006" xmlns:mv="urn:schemas-microsoft-com:mac:vml" xmlns:p="http://schemas.openxmlformats.org/presentationml/2006/main" mc:Ignorable="mv" mc:PreserveAttributes="mv:*" type="twoTxTwoObj" preserve="1">
   <p:cSld name="Comparison">
     <p:spTree>
       <p:nvGrpSpPr>
@@ -2064,7 +2072,7 @@
             <a:fld id="{581D52F2-9B11-4FC0-9217-7D20B3AC9849}" type="datetime1">
               <a:rPr lang="en-US" smtClean="0"/>
               <a:pPr/>
-              <a:t>12.03.14</a:t>
+              <a:t>3/16/14</a:t>
             </a:fld>
             <a:endParaRPr lang="en-US"/>
           </a:p>
@@ -2145,7 +2153,7 @@
 </file>
 
 <file path=ppt/slideLayouts/slideLayout6.xml><?xml version="1.0" encoding="utf-8"?>
-<p:sldLayout xmlns:a="http://schemas.openxmlformats.org/drawingml/2006/main" xmlns:r="http://schemas.openxmlformats.org/officeDocument/2006/relationships" xmlns:p="http://schemas.openxmlformats.org/presentationml/2006/main" type="titleOnly" preserve="1">
+<p:sldLayout xmlns:a="http://schemas.openxmlformats.org/drawingml/2006/main" xmlns:r="http://schemas.openxmlformats.org/officeDocument/2006/relationships" xmlns:mc="http://schemas.openxmlformats.org/markup-compatibility/2006" xmlns:mv="urn:schemas-microsoft-com:mac:vml" xmlns:p="http://schemas.openxmlformats.org/presentationml/2006/main" mc:Ignorable="mv" mc:PreserveAttributes="mv:*" type="titleOnly" preserve="1">
   <p:cSld name="Title Only">
     <p:spTree>
       <p:nvGrpSpPr>
@@ -2179,7 +2187,7 @@
             <a:fld id="{4CF13737-8506-438E-ABC0-0BE7E06DCCA6}" type="datetime1">
               <a:rPr lang="en-US" smtClean="0"/>
               <a:pPr/>
-              <a:t>12.03.14</a:t>
+              <a:t>3/16/14</a:t>
             </a:fld>
             <a:endParaRPr lang="en-US"/>
           </a:p>
@@ -2260,7 +2268,7 @@
 </file>
 
 <file path=ppt/slideLayouts/slideLayout7.xml><?xml version="1.0" encoding="utf-8"?>
-<p:sldLayout xmlns:a="http://schemas.openxmlformats.org/drawingml/2006/main" xmlns:r="http://schemas.openxmlformats.org/officeDocument/2006/relationships" xmlns:p="http://schemas.openxmlformats.org/presentationml/2006/main" showMasterSp="0" type="blank" preserve="1">
+<p:sldLayout xmlns:a="http://schemas.openxmlformats.org/drawingml/2006/main" xmlns:r="http://schemas.openxmlformats.org/officeDocument/2006/relationships" xmlns:mc="http://schemas.openxmlformats.org/markup-compatibility/2006" xmlns:mv="urn:schemas-microsoft-com:mac:vml" xmlns:p="http://schemas.openxmlformats.org/presentationml/2006/main" mc:Ignorable="mv" mc:PreserveAttributes="mv:*" showMasterSp="0" type="blank" preserve="1">
   <p:cSld name="Blank">
     <p:spTree>
       <p:nvGrpSpPr>
@@ -2340,7 +2348,7 @@
             <a:fld id="{941D58AA-1C84-40C9-BFEE-631CCB17636C}" type="datetime1">
               <a:rPr lang="en-US" smtClean="0"/>
               <a:pPr/>
-              <a:t>12.03.14</a:t>
+              <a:t>3/16/14</a:t>
             </a:fld>
             <a:endParaRPr lang="en-US"/>
           </a:p>
@@ -2398,7 +2406,7 @@
 </file>
 
 <file path=ppt/slideLayouts/slideLayout8.xml><?xml version="1.0" encoding="utf-8"?>
-<p:sldLayout xmlns:a="http://schemas.openxmlformats.org/drawingml/2006/main" xmlns:r="http://schemas.openxmlformats.org/officeDocument/2006/relationships" xmlns:p="http://schemas.openxmlformats.org/presentationml/2006/main" showMasterSp="0" type="objTx" preserve="1">
+<p:sldLayout xmlns:a="http://schemas.openxmlformats.org/drawingml/2006/main" xmlns:r="http://schemas.openxmlformats.org/officeDocument/2006/relationships" xmlns:mc="http://schemas.openxmlformats.org/markup-compatibility/2006" xmlns:mv="urn:schemas-microsoft-com:mac:vml" xmlns:p="http://schemas.openxmlformats.org/presentationml/2006/main" mc:Ignorable="mv" mc:PreserveAttributes="mv:*" showMasterSp="0" type="objTx" preserve="1">
   <p:cSld name="Content with Caption">
     <p:bg>
       <p:bgRef idx="1001">
@@ -2726,7 +2734,7 @@
             <a:fld id="{936542C1-4E96-413B-B72E-6C4B39D85C9D}" type="datetime1">
               <a:rPr lang="en-US" smtClean="0"/>
               <a:pPr/>
-              <a:t>12.03.14</a:t>
+              <a:t>3/16/14</a:t>
             </a:fld>
             <a:endParaRPr lang="en-US"/>
           </a:p>
@@ -2828,7 +2836,7 @@
 </file>
 
 <file path=ppt/slideLayouts/slideLayout9.xml><?xml version="1.0" encoding="utf-8"?>
-<p:sldLayout xmlns:a="http://schemas.openxmlformats.org/drawingml/2006/main" xmlns:r="http://schemas.openxmlformats.org/officeDocument/2006/relationships" xmlns:p="http://schemas.openxmlformats.org/presentationml/2006/main" showMasterSp="0" type="picTx" preserve="1">
+<p:sldLayout xmlns:a="http://schemas.openxmlformats.org/drawingml/2006/main" xmlns:r="http://schemas.openxmlformats.org/officeDocument/2006/relationships" xmlns:mc="http://schemas.openxmlformats.org/markup-compatibility/2006" xmlns:mv="urn:schemas-microsoft-com:mac:vml" xmlns:p="http://schemas.openxmlformats.org/presentationml/2006/main" mc:Ignorable="mv" mc:PreserveAttributes="mv:*" showMasterSp="0" type="picTx" preserve="1">
   <p:cSld name="Picture with Caption">
     <p:bg>
       <p:bgRef idx="1001">
@@ -3090,7 +3098,7 @@
             <a:fld id="{F0542AA2-D442-471A-9D69-80392E1E581D}" type="datetime1">
               <a:rPr lang="en-US" smtClean="0"/>
               <a:pPr/>
-              <a:t>12.03.14</a:t>
+              <a:t>3/16/14</a:t>
             </a:fld>
             <a:endParaRPr lang="en-US" dirty="0"/>
           </a:p>
@@ -3184,7 +3192,7 @@
 </file>
 
 <file path=ppt/slideMasters/slideMaster1.xml><?xml version="1.0" encoding="utf-8"?>
-<p:sldMaster xmlns:a="http://schemas.openxmlformats.org/drawingml/2006/main" xmlns:r="http://schemas.openxmlformats.org/officeDocument/2006/relationships" xmlns:p="http://schemas.openxmlformats.org/presentationml/2006/main">
+<p:sldMaster xmlns:a="http://schemas.openxmlformats.org/drawingml/2006/main" xmlns:r="http://schemas.openxmlformats.org/officeDocument/2006/relationships" xmlns:mc="http://schemas.openxmlformats.org/markup-compatibility/2006" xmlns:mv="urn:schemas-microsoft-com:mac:vml" xmlns:p="http://schemas.openxmlformats.org/presentationml/2006/main" mc:Ignorable="mv" mc:PreserveAttributes="mv:*">
   <p:cSld>
     <p:bg>
       <p:bgRef idx="1001">
@@ -3426,7 +3434,7 @@
             <a:fld id="{EC43563C-D9B3-4432-B336-144C997D6215}" type="datetime1">
               <a:rPr lang="en-US" smtClean="0"/>
               <a:pPr/>
-              <a:t>12.03.14</a:t>
+              <a:t>3/16/14</a:t>
             </a:fld>
             <a:endParaRPr lang="en-US" dirty="0"/>
           </a:p>
@@ -3515,17 +3523,17 @@
   </p:cSld>
   <p:clrMap bg1="lt1" tx1="dk1" bg2="lt2" tx2="dk2" accent1="accent1" accent2="accent2" accent3="accent3" accent4="accent4" accent5="accent5" accent6="accent6" hlink="hlink" folHlink="folHlink"/>
   <p:sldLayoutIdLst>
-    <p:sldLayoutId id="2147483649" r:id="rId1"/>
-    <p:sldLayoutId id="2147483650" r:id="rId2"/>
-    <p:sldLayoutId id="2147483651" r:id="rId3"/>
-    <p:sldLayoutId id="2147483652" r:id="rId4"/>
-    <p:sldLayoutId id="2147483653" r:id="rId5"/>
-    <p:sldLayoutId id="2147483654" r:id="rId6"/>
-    <p:sldLayoutId id="2147483655" r:id="rId7"/>
-    <p:sldLayoutId id="2147483656" r:id="rId8"/>
-    <p:sldLayoutId id="2147483657" r:id="rId9"/>
-    <p:sldLayoutId id="2147483658" r:id="rId10"/>
-    <p:sldLayoutId id="2147483659" r:id="rId11"/>
+    <p:sldLayoutId r:id="rId1"/>
+    <p:sldLayoutId r:id="rId2"/>
+    <p:sldLayoutId r:id="rId3"/>
+    <p:sldLayoutId r:id="rId4"/>
+    <p:sldLayoutId r:id="rId5"/>
+    <p:sldLayoutId r:id="rId6"/>
+    <p:sldLayoutId r:id="rId7"/>
+    <p:sldLayoutId r:id="rId8"/>
+    <p:sldLayoutId r:id="rId9"/>
+    <p:sldLayoutId r:id="rId10"/>
+    <p:sldLayoutId r:id="rId11"/>
   </p:sldLayoutIdLst>
   <p:hf sldNum="0" hdr="0" ftr="0" dt="0"/>
   <p:txStyles>
@@ -3813,7 +3821,7 @@
 </file>
 
 <file path=ppt/slides/slide1.xml><?xml version="1.0" encoding="utf-8"?>
-<p:sld xmlns:a="http://schemas.openxmlformats.org/drawingml/2006/main" xmlns:r="http://schemas.openxmlformats.org/officeDocument/2006/relationships" xmlns:p="http://schemas.openxmlformats.org/presentationml/2006/main">
+<p:sld xmlns:a="http://schemas.openxmlformats.org/drawingml/2006/main" xmlns:r="http://schemas.openxmlformats.org/officeDocument/2006/relationships" xmlns:mc="http://schemas.openxmlformats.org/markup-compatibility/2006" xmlns:mv="urn:schemas-microsoft-com:mac:vml" xmlns:p="http://schemas.openxmlformats.org/presentationml/2006/main" mc:Ignorable="mv" mc:PreserveAttributes="mv:*">
   <p:cSld>
     <p:spTree>
       <p:nvGrpSpPr>
@@ -3841,10 +3849,55 @@
         </p:nvSpPr>
         <p:spPr/>
         <p:txBody>
-          <a:bodyPr/>
-          <a:lstStyle/>
-          <a:p>
-            <a:endParaRPr lang="en-US"/>
+          <a:bodyPr>
+            <a:normAutofit fontScale="62500" lnSpcReduction="20000"/>
+          </a:bodyPr>
+          <a:lstStyle/>
+          <a:p>
+            <a:r>
+              <a:rPr lang="en-US" dirty="0" smtClean="0"/>
+              <a:t>By </a:t>
+            </a:r>
+          </a:p>
+          <a:p>
+            <a:r>
+              <a:rPr lang="en-US" dirty="0" err="1" smtClean="0"/>
+              <a:t>Kristoffer</a:t>
+            </a:r>
+            <a:r>
+              <a:rPr lang="en-US" dirty="0" smtClean="0"/>
+              <a:t> K. Larsen</a:t>
+            </a:r>
+          </a:p>
+          <a:p>
+            <a:r>
+              <a:rPr lang="en-US" dirty="0" smtClean="0"/>
+              <a:t>Magnus Skeide</a:t>
+            </a:r>
+          </a:p>
+          <a:p>
+            <a:r>
+              <a:rPr lang="en-US" dirty="0" smtClean="0"/>
+              <a:t>Martin </a:t>
+            </a:r>
+            <a:r>
+              <a:rPr lang="en-US" dirty="0" err="1" smtClean="0"/>
+              <a:t>Ervik</a:t>
+            </a:r>
+            <a:endParaRPr lang="en-US" dirty="0" smtClean="0"/>
+          </a:p>
+          <a:p>
+            <a:endParaRPr lang="en-US" dirty="0" smtClean="0"/>
+          </a:p>
+          <a:p>
+            <a:r>
+              <a:rPr lang="en-US" dirty="0" smtClean="0"/>
+              <a:t>Spring 2014</a:t>
+            </a:r>
+            <a:br>
+              <a:rPr lang="en-US" dirty="0" smtClean="0"/>
+            </a:br>
+            <a:endParaRPr lang="en-US" dirty="0"/>
           </a:p>
         </p:txBody>
       </p:sp>
@@ -3863,16 +3916,837 @@
           <a:bodyPr/>
           <a:lstStyle/>
           <a:p>
-            <a:endParaRPr lang="en-US"/>
+            <a:r>
+              <a:rPr lang="en-US" dirty="0" smtClean="0"/>
+              <a:t>Ttt4110 - project</a:t>
+            </a:r>
+            <a:endParaRPr lang="en-US" dirty="0"/>
           </a:p>
         </p:txBody>
       </p:sp>
     </p:spTree>
     <p:extLst>
       <p:ext uri="{BB962C8B-B14F-4D97-AF65-F5344CB8AC3E}">
-        <p14:creationId xmlns:p14="http://schemas.microsoft.com/office/powerpoint/2010/main" val="3566475052"/>
+        <p14:creationId xmlns:p14="http://schemas.microsoft.com/office/powerpoint/2010/main" xmlns:p="http://schemas.openxmlformats.org/presentationml/2006/main" xmlns:r="http://schemas.openxmlformats.org/officeDocument/2006/relationships" xmlns:a="http://schemas.openxmlformats.org/drawingml/2006/main" xmlns="" val="3566475052"/>
       </p:ext>
     </p:extLst>
+  </p:cSld>
+  <p:clrMapOvr>
+    <a:masterClrMapping/>
+  </p:clrMapOvr>
+</p:sld>
+</file>
+
+<file path=ppt/slides/slide2.xml><?xml version="1.0" encoding="utf-8"?>
+<p:sld xmlns:a="http://schemas.openxmlformats.org/drawingml/2006/main" xmlns:r="http://schemas.openxmlformats.org/officeDocument/2006/relationships" xmlns:mc="http://schemas.openxmlformats.org/markup-compatibility/2006" xmlns:mv="urn:schemas-microsoft-com:mac:vml" xmlns:p="http://schemas.openxmlformats.org/presentationml/2006/main" mc:Ignorable="mv" mc:PreserveAttributes="mv:*">
+  <p:cSld>
+    <p:spTree>
+      <p:nvGrpSpPr>
+        <p:cNvPr id="1" name=""/>
+        <p:cNvGrpSpPr/>
+        <p:nvPr/>
+      </p:nvGrpSpPr>
+      <p:grpSpPr>
+        <a:xfrm>
+          <a:off x="0" y="0"/>
+          <a:ext cx="0" cy="0"/>
+          <a:chOff x="0" y="0"/>
+          <a:chExt cx="0" cy="0"/>
+        </a:xfrm>
+      </p:grpSpPr>
+      <p:sp>
+        <p:nvSpPr>
+          <p:cNvPr id="2" name="Content Placeholder 1"/>
+          <p:cNvSpPr>
+            <a:spLocks noGrp="1"/>
+          </p:cNvSpPr>
+          <p:nvPr>
+            <p:ph idx="1"/>
+          </p:nvPr>
+        </p:nvSpPr>
+        <p:spPr>
+          <a:xfrm>
+            <a:off x="381001" y="1289303"/>
+            <a:ext cx="4363868" cy="3305556"/>
+          </a:xfrm>
+        </p:spPr>
+        <p:txBody>
+          <a:bodyPr/>
+          <a:lstStyle/>
+          <a:p>
+            <a:r>
+              <a:rPr lang="en-US" dirty="0" smtClean="0"/>
+              <a:t>Generating the DTMF-signals from the given table</a:t>
+            </a:r>
+          </a:p>
+          <a:p>
+            <a:r>
+              <a:rPr lang="en-US" dirty="0" smtClean="0"/>
+              <a:t>Play the generated numbers from an arbitrary number</a:t>
+            </a:r>
+            <a:endParaRPr lang="en-US" dirty="0"/>
+          </a:p>
+        </p:txBody>
+      </p:sp>
+      <p:sp>
+        <p:nvSpPr>
+          <p:cNvPr id="3" name="Title 2"/>
+          <p:cNvSpPr>
+            <a:spLocks noGrp="1"/>
+          </p:cNvSpPr>
+          <p:nvPr>
+            <p:ph type="title"/>
+          </p:nvPr>
+        </p:nvSpPr>
+        <p:spPr/>
+        <p:txBody>
+          <a:bodyPr/>
+          <a:lstStyle/>
+          <a:p>
+            <a:r>
+              <a:rPr lang="en-US" dirty="0" smtClean="0"/>
+              <a:t>Part 1 - theory</a:t>
+            </a:r>
+            <a:endParaRPr lang="en-US" dirty="0"/>
+          </a:p>
+        </p:txBody>
+      </p:sp>
+      <p:pic>
+        <p:nvPicPr>
+          <p:cNvPr id="5" name="Picture 4" descr="Screen Shot 2014-03-16 at 4.33.35 PM.png"/>
+          <p:cNvPicPr>
+            <a:picLocks noChangeAspect="1"/>
+          </p:cNvPicPr>
+          <p:nvPr/>
+        </p:nvPicPr>
+        <p:blipFill>
+          <a:blip r:embed="rId2"/>
+          <a:stretch>
+            <a:fillRect/>
+          </a:stretch>
+        </p:blipFill>
+        <p:spPr>
+          <a:xfrm>
+            <a:off x="4850660" y="1625600"/>
+            <a:ext cx="3911600" cy="1892300"/>
+          </a:xfrm>
+          <a:prstGeom prst="rect">
+            <a:avLst/>
+          </a:prstGeom>
+        </p:spPr>
+      </p:pic>
+    </p:spTree>
+  </p:cSld>
+  <p:clrMapOvr>
+    <a:masterClrMapping/>
+  </p:clrMapOvr>
+</p:sld>
+</file>
+
+<file path=ppt/slides/slide3.xml><?xml version="1.0" encoding="utf-8"?>
+<p:sld xmlns:a="http://schemas.openxmlformats.org/drawingml/2006/main" xmlns:r="http://schemas.openxmlformats.org/officeDocument/2006/relationships" xmlns:mc="http://schemas.openxmlformats.org/markup-compatibility/2006" xmlns:mv="urn:schemas-microsoft-com:mac:vml" xmlns:p="http://schemas.openxmlformats.org/presentationml/2006/main" mc:Ignorable="mv" mc:PreserveAttributes="mv:*">
+  <p:cSld>
+    <p:spTree>
+      <p:nvGrpSpPr>
+        <p:cNvPr id="1" name=""/>
+        <p:cNvGrpSpPr/>
+        <p:nvPr/>
+      </p:nvGrpSpPr>
+      <p:grpSpPr>
+        <a:xfrm>
+          <a:off x="0" y="0"/>
+          <a:ext cx="0" cy="0"/>
+          <a:chOff x="0" y="0"/>
+          <a:chExt cx="0" cy="0"/>
+        </a:xfrm>
+      </p:grpSpPr>
+      <p:pic>
+        <p:nvPicPr>
+          <p:cNvPr id="4" name="Content Placeholder 3" descr="Screen Shot 2014-03-16 at 4.35.35 PM.png"/>
+          <p:cNvPicPr>
+            <a:picLocks noGrp="1" noChangeAspect="1"/>
+          </p:cNvPicPr>
+          <p:nvPr>
+            <p:ph idx="1"/>
+          </p:nvPr>
+        </p:nvPicPr>
+        <p:blipFill>
+          <a:blip r:embed="rId2"/>
+          <a:stretch>
+            <a:fillRect/>
+          </a:stretch>
+        </p:blipFill>
+        <p:spPr>
+          <a:xfrm>
+            <a:off x="1823151" y="1289050"/>
+            <a:ext cx="5672027" cy="3604141"/>
+          </a:xfrm>
+        </p:spPr>
+      </p:pic>
+      <p:sp>
+        <p:nvSpPr>
+          <p:cNvPr id="3" name="Title 2"/>
+          <p:cNvSpPr>
+            <a:spLocks noGrp="1"/>
+          </p:cNvSpPr>
+          <p:nvPr>
+            <p:ph type="title"/>
+          </p:nvPr>
+        </p:nvSpPr>
+        <p:spPr>
+          <a:xfrm>
+            <a:off x="381000" y="266885"/>
+            <a:ext cx="8381260" cy="613578"/>
+          </a:xfrm>
+        </p:spPr>
+        <p:txBody>
+          <a:bodyPr/>
+          <a:lstStyle/>
+          <a:p>
+            <a:r>
+              <a:rPr lang="en-US" dirty="0" smtClean="0"/>
+              <a:t>Part 1 - code</a:t>
+            </a:r>
+            <a:endParaRPr lang="en-US" dirty="0"/>
+          </a:p>
+        </p:txBody>
+      </p:sp>
+    </p:spTree>
+  </p:cSld>
+  <p:clrMapOvr>
+    <a:masterClrMapping/>
+  </p:clrMapOvr>
+</p:sld>
+</file>
+
+<file path=ppt/slides/slide4.xml><?xml version="1.0" encoding="utf-8"?>
+<p:sld xmlns:a="http://schemas.openxmlformats.org/drawingml/2006/main" xmlns:r="http://schemas.openxmlformats.org/officeDocument/2006/relationships" xmlns:mc="http://schemas.openxmlformats.org/markup-compatibility/2006" xmlns:mv="urn:schemas-microsoft-com:mac:vml" xmlns:p="http://schemas.openxmlformats.org/presentationml/2006/main" mc:Ignorable="mv" mc:PreserveAttributes="mv:*">
+  <p:cSld>
+    <p:spTree>
+      <p:nvGrpSpPr>
+        <p:cNvPr id="1" name=""/>
+        <p:cNvGrpSpPr/>
+        <p:nvPr/>
+      </p:nvGrpSpPr>
+      <p:grpSpPr>
+        <a:xfrm>
+          <a:off x="0" y="0"/>
+          <a:ext cx="0" cy="0"/>
+          <a:chOff x="0" y="0"/>
+          <a:chExt cx="0" cy="0"/>
+        </a:xfrm>
+      </p:grpSpPr>
+      <p:sp>
+        <p:nvSpPr>
+          <p:cNvPr id="2" name="Content Placeholder 1"/>
+          <p:cNvSpPr>
+            <a:spLocks noGrp="1"/>
+          </p:cNvSpPr>
+          <p:nvPr>
+            <p:ph idx="1"/>
+          </p:nvPr>
+        </p:nvSpPr>
+        <p:spPr>
+          <a:xfrm>
+            <a:off x="381000" y="1289303"/>
+            <a:ext cx="7620609" cy="1468961"/>
+          </a:xfrm>
+        </p:spPr>
+        <p:txBody>
+          <a:bodyPr>
+            <a:normAutofit fontScale="62500" lnSpcReduction="20000"/>
+          </a:bodyPr>
+          <a:lstStyle/>
+          <a:p>
+            <a:r>
+              <a:rPr lang="en-US" dirty="0" smtClean="0"/>
+              <a:t>Decoding the DTMF-signals</a:t>
+            </a:r>
+          </a:p>
+          <a:p>
+            <a:r>
+              <a:rPr lang="en-US" dirty="0" smtClean="0"/>
+              <a:t>The input is now a signal</a:t>
+            </a:r>
+          </a:p>
+          <a:p>
+            <a:r>
+              <a:rPr lang="en-US" dirty="0" smtClean="0"/>
+              <a:t>We want the output to be the numbers</a:t>
+            </a:r>
+          </a:p>
+          <a:p>
+            <a:r>
+              <a:rPr lang="en-US" dirty="0" smtClean="0"/>
+              <a:t>To do so we must:</a:t>
+            </a:r>
+          </a:p>
+          <a:p>
+            <a:pPr lvl="1"/>
+            <a:r>
+              <a:rPr lang="en-US" dirty="0" smtClean="0"/>
+              <a:t>Create filters</a:t>
+            </a:r>
+          </a:p>
+          <a:p>
+            <a:pPr lvl="1"/>
+            <a:r>
+              <a:rPr lang="en-US" dirty="0" smtClean="0"/>
+              <a:t>Split up signal</a:t>
+            </a:r>
+          </a:p>
+          <a:p>
+            <a:pPr lvl="1"/>
+            <a:r>
+              <a:rPr lang="en-US" dirty="0" smtClean="0"/>
+              <a:t>Recognize the numbers in an iterative manner</a:t>
+            </a:r>
+          </a:p>
+          <a:p>
+            <a:pPr lvl="1">
+              <a:buNone/>
+            </a:pPr>
+            <a:endParaRPr lang="en-US" dirty="0" smtClean="0"/>
+          </a:p>
+          <a:p>
+            <a:endParaRPr lang="en-US" dirty="0"/>
+          </a:p>
+        </p:txBody>
+      </p:sp>
+      <p:sp>
+        <p:nvSpPr>
+          <p:cNvPr id="3" name="Title 2"/>
+          <p:cNvSpPr>
+            <a:spLocks noGrp="1"/>
+          </p:cNvSpPr>
+          <p:nvPr>
+            <p:ph type="title"/>
+          </p:nvPr>
+        </p:nvSpPr>
+        <p:spPr/>
+        <p:txBody>
+          <a:bodyPr/>
+          <a:lstStyle/>
+          <a:p>
+            <a:r>
+              <a:rPr lang="en-US" dirty="0" smtClean="0"/>
+              <a:t>Part 2 – Theory</a:t>
+            </a:r>
+            <a:endParaRPr lang="en-US" dirty="0"/>
+          </a:p>
+        </p:txBody>
+      </p:sp>
+      <p:pic>
+        <p:nvPicPr>
+          <p:cNvPr id="4" name="Picture 3" descr="Screen Shot 2014-03-16 at 4.37.28 PM.png"/>
+          <p:cNvPicPr>
+            <a:picLocks noChangeAspect="1"/>
+          </p:cNvPicPr>
+          <p:nvPr/>
+        </p:nvPicPr>
+        <p:blipFill>
+          <a:blip r:embed="rId2"/>
+          <a:stretch>
+            <a:fillRect/>
+          </a:stretch>
+        </p:blipFill>
+        <p:spPr>
+          <a:xfrm>
+            <a:off x="5761252" y="2148308"/>
+            <a:ext cx="2635800" cy="2635800"/>
+          </a:xfrm>
+          <a:prstGeom prst="rect">
+            <a:avLst/>
+          </a:prstGeom>
+        </p:spPr>
+      </p:pic>
+    </p:spTree>
+  </p:cSld>
+  <p:clrMapOvr>
+    <a:masterClrMapping/>
+  </p:clrMapOvr>
+</p:sld>
+</file>
+
+<file path=ppt/slides/slide5.xml><?xml version="1.0" encoding="utf-8"?>
+<p:sld xmlns:a="http://schemas.openxmlformats.org/drawingml/2006/main" xmlns:r="http://schemas.openxmlformats.org/officeDocument/2006/relationships" xmlns:mc="http://schemas.openxmlformats.org/markup-compatibility/2006" xmlns:mv="urn:schemas-microsoft-com:mac:vml" xmlns:p="http://schemas.openxmlformats.org/presentationml/2006/main" mc:Ignorable="mv" mc:PreserveAttributes="mv:*">
+  <p:cSld>
+    <p:spTree>
+      <p:nvGrpSpPr>
+        <p:cNvPr id="1" name=""/>
+        <p:cNvGrpSpPr/>
+        <p:nvPr/>
+      </p:nvGrpSpPr>
+      <p:grpSpPr>
+        <a:xfrm>
+          <a:off x="0" y="0"/>
+          <a:ext cx="0" cy="0"/>
+          <a:chOff x="0" y="0"/>
+          <a:chExt cx="0" cy="0"/>
+        </a:xfrm>
+      </p:grpSpPr>
+      <p:sp>
+        <p:nvSpPr>
+          <p:cNvPr id="2" name="Content Placeholder 1"/>
+          <p:cNvSpPr>
+            <a:spLocks noGrp="1"/>
+          </p:cNvSpPr>
+          <p:nvPr>
+            <p:ph idx="1"/>
+          </p:nvPr>
+        </p:nvSpPr>
+        <p:spPr>
+          <a:xfrm>
+            <a:off x="381000" y="1289303"/>
+            <a:ext cx="8407893" cy="931333"/>
+          </a:xfrm>
+        </p:spPr>
+        <p:txBody>
+          <a:bodyPr/>
+          <a:lstStyle/>
+          <a:p>
+            <a:r>
+              <a:rPr lang="en-US" dirty="0" smtClean="0"/>
+              <a:t>Variables for use throughout the code</a:t>
+            </a:r>
+          </a:p>
+          <a:p>
+            <a:r>
+              <a:rPr lang="en-US" dirty="0" smtClean="0"/>
+              <a:t>Checking length of signal</a:t>
+            </a:r>
+          </a:p>
+          <a:p>
+            <a:endParaRPr lang="en-US" dirty="0"/>
+          </a:p>
+        </p:txBody>
+      </p:sp>
+      <p:sp>
+        <p:nvSpPr>
+          <p:cNvPr id="3" name="Title 2"/>
+          <p:cNvSpPr>
+            <a:spLocks noGrp="1"/>
+          </p:cNvSpPr>
+          <p:nvPr>
+            <p:ph type="title"/>
+          </p:nvPr>
+        </p:nvSpPr>
+        <p:spPr/>
+        <p:txBody>
+          <a:bodyPr/>
+          <a:lstStyle/>
+          <a:p>
+            <a:r>
+              <a:rPr lang="en-US" dirty="0" smtClean="0"/>
+              <a:t>part 2 - code</a:t>
+            </a:r>
+            <a:endParaRPr lang="en-US" dirty="0"/>
+          </a:p>
+        </p:txBody>
+      </p:sp>
+      <p:pic>
+        <p:nvPicPr>
+          <p:cNvPr id="5" name="Picture 4" descr="Screen Shot 2014-03-16 at 4.40.07 PM.png"/>
+          <p:cNvPicPr>
+            <a:picLocks noChangeAspect="1"/>
+          </p:cNvPicPr>
+          <p:nvPr/>
+        </p:nvPicPr>
+        <p:blipFill>
+          <a:blip r:embed="rId2"/>
+          <a:stretch>
+            <a:fillRect/>
+          </a:stretch>
+        </p:blipFill>
+        <p:spPr>
+          <a:xfrm>
+            <a:off x="519123" y="2353095"/>
+            <a:ext cx="8243137" cy="2062619"/>
+          </a:xfrm>
+          <a:prstGeom prst="rect">
+            <a:avLst/>
+          </a:prstGeom>
+        </p:spPr>
+      </p:pic>
+    </p:spTree>
+  </p:cSld>
+  <p:clrMapOvr>
+    <a:masterClrMapping/>
+  </p:clrMapOvr>
+</p:sld>
+</file>
+
+<file path=ppt/slides/slide6.xml><?xml version="1.0" encoding="utf-8"?>
+<p:sld xmlns:a="http://schemas.openxmlformats.org/drawingml/2006/main" xmlns:r="http://schemas.openxmlformats.org/officeDocument/2006/relationships" xmlns:mc="http://schemas.openxmlformats.org/markup-compatibility/2006" xmlns:mv="urn:schemas-microsoft-com:mac:vml" xmlns:p="http://schemas.openxmlformats.org/presentationml/2006/main" mc:Ignorable="mv" mc:PreserveAttributes="mv:*">
+  <p:cSld>
+    <p:spTree>
+      <p:nvGrpSpPr>
+        <p:cNvPr id="1" name=""/>
+        <p:cNvGrpSpPr/>
+        <p:nvPr/>
+      </p:nvGrpSpPr>
+      <p:grpSpPr>
+        <a:xfrm>
+          <a:off x="0" y="0"/>
+          <a:ext cx="0" cy="0"/>
+          <a:chOff x="0" y="0"/>
+          <a:chExt cx="0" cy="0"/>
+        </a:xfrm>
+      </p:grpSpPr>
+      <p:sp>
+        <p:nvSpPr>
+          <p:cNvPr id="2" name="Content Placeholder 1"/>
+          <p:cNvSpPr>
+            <a:spLocks noGrp="1"/>
+          </p:cNvSpPr>
+          <p:nvPr>
+            <p:ph idx="1"/>
+          </p:nvPr>
+        </p:nvSpPr>
+        <p:spPr>
+          <a:xfrm>
+            <a:off x="381000" y="1289303"/>
+            <a:ext cx="8407893" cy="892375"/>
+          </a:xfrm>
+        </p:spPr>
+        <p:txBody>
+          <a:bodyPr/>
+          <a:lstStyle/>
+          <a:p>
+            <a:r>
+              <a:rPr lang="en-US" dirty="0" smtClean="0"/>
+              <a:t>Creating the filters</a:t>
+            </a:r>
+          </a:p>
+          <a:p>
+            <a:endParaRPr lang="en-US" dirty="0"/>
+          </a:p>
+        </p:txBody>
+      </p:sp>
+      <p:sp>
+        <p:nvSpPr>
+          <p:cNvPr id="3" name="Title 2"/>
+          <p:cNvSpPr>
+            <a:spLocks noGrp="1"/>
+          </p:cNvSpPr>
+          <p:nvPr>
+            <p:ph type="title"/>
+          </p:nvPr>
+        </p:nvSpPr>
+        <p:spPr/>
+        <p:txBody>
+          <a:bodyPr/>
+          <a:lstStyle/>
+          <a:p>
+            <a:r>
+              <a:rPr lang="en-US" dirty="0" smtClean="0"/>
+              <a:t>Code continues</a:t>
+            </a:r>
+            <a:endParaRPr lang="en-US" dirty="0"/>
+          </a:p>
+        </p:txBody>
+      </p:sp>
+      <p:pic>
+        <p:nvPicPr>
+          <p:cNvPr id="5" name="Picture 4" descr="Screen Shot 2014-03-16 at 4.44.22 PM.png"/>
+          <p:cNvPicPr>
+            <a:picLocks noChangeAspect="1"/>
+          </p:cNvPicPr>
+          <p:nvPr/>
+        </p:nvPicPr>
+        <p:blipFill>
+          <a:blip r:embed="rId2"/>
+          <a:stretch>
+            <a:fillRect/>
+          </a:stretch>
+        </p:blipFill>
+        <p:spPr>
+          <a:xfrm>
+            <a:off x="519123" y="2076323"/>
+            <a:ext cx="8243137" cy="2312099"/>
+          </a:xfrm>
+          <a:prstGeom prst="rect">
+            <a:avLst/>
+          </a:prstGeom>
+        </p:spPr>
+      </p:pic>
+    </p:spTree>
+  </p:cSld>
+  <p:clrMapOvr>
+    <a:masterClrMapping/>
+  </p:clrMapOvr>
+</p:sld>
+</file>
+
+<file path=ppt/slides/slide7.xml><?xml version="1.0" encoding="utf-8"?>
+<p:sld xmlns:a="http://schemas.openxmlformats.org/drawingml/2006/main" xmlns:r="http://schemas.openxmlformats.org/officeDocument/2006/relationships" xmlns:mc="http://schemas.openxmlformats.org/markup-compatibility/2006" xmlns:mv="urn:schemas-microsoft-com:mac:vml" xmlns:p="http://schemas.openxmlformats.org/presentationml/2006/main" mc:Ignorable="mv" mc:PreserveAttributes="mv:*">
+  <p:cSld>
+    <p:spTree>
+      <p:nvGrpSpPr>
+        <p:cNvPr id="1" name=""/>
+        <p:cNvGrpSpPr/>
+        <p:nvPr/>
+      </p:nvGrpSpPr>
+      <p:grpSpPr>
+        <a:xfrm>
+          <a:off x="0" y="0"/>
+          <a:ext cx="0" cy="0"/>
+          <a:chOff x="0" y="0"/>
+          <a:chExt cx="0" cy="0"/>
+        </a:xfrm>
+      </p:grpSpPr>
+      <p:sp>
+        <p:nvSpPr>
+          <p:cNvPr id="2" name="Content Placeholder 1"/>
+          <p:cNvSpPr>
+            <a:spLocks noGrp="1"/>
+          </p:cNvSpPr>
+          <p:nvPr>
+            <p:ph idx="1"/>
+          </p:nvPr>
+        </p:nvSpPr>
+        <p:spPr>
+          <a:xfrm>
+            <a:off x="381000" y="1289303"/>
+            <a:ext cx="8407893" cy="588498"/>
+          </a:xfrm>
+        </p:spPr>
+        <p:txBody>
+          <a:bodyPr/>
+          <a:lstStyle/>
+          <a:p>
+            <a:r>
+              <a:rPr lang="en-US" dirty="0" smtClean="0"/>
+              <a:t>Separating and decoding each “piece” of the input signal</a:t>
+            </a:r>
+            <a:endParaRPr lang="en-US" dirty="0"/>
+          </a:p>
+        </p:txBody>
+      </p:sp>
+      <p:sp>
+        <p:nvSpPr>
+          <p:cNvPr id="3" name="Title 2"/>
+          <p:cNvSpPr>
+            <a:spLocks noGrp="1"/>
+          </p:cNvSpPr>
+          <p:nvPr>
+            <p:ph type="title"/>
+          </p:nvPr>
+        </p:nvSpPr>
+        <p:spPr/>
+        <p:txBody>
+          <a:bodyPr/>
+          <a:lstStyle/>
+          <a:p>
+            <a:r>
+              <a:rPr lang="en-US" dirty="0" smtClean="0"/>
+              <a:t>Code continues</a:t>
+            </a:r>
+            <a:endParaRPr lang="en-US" dirty="0"/>
+          </a:p>
+        </p:txBody>
+      </p:sp>
+      <p:pic>
+        <p:nvPicPr>
+          <p:cNvPr id="4" name="Picture 3" descr="Screen Shot 2014-03-16 at 4.45.43 PM.png"/>
+          <p:cNvPicPr>
+            <a:picLocks noChangeAspect="1"/>
+          </p:cNvPicPr>
+          <p:nvPr/>
+        </p:nvPicPr>
+        <p:blipFill>
+          <a:blip r:embed="rId2"/>
+          <a:stretch>
+            <a:fillRect/>
+          </a:stretch>
+        </p:blipFill>
+        <p:spPr>
+          <a:xfrm>
+            <a:off x="381000" y="2159085"/>
+            <a:ext cx="8336632" cy="1832227"/>
+          </a:xfrm>
+          <a:prstGeom prst="rect">
+            <a:avLst/>
+          </a:prstGeom>
+        </p:spPr>
+      </p:pic>
+    </p:spTree>
+  </p:cSld>
+  <p:clrMapOvr>
+    <a:masterClrMapping/>
+  </p:clrMapOvr>
+</p:sld>
+</file>
+
+<file path=ppt/slides/slide8.xml><?xml version="1.0" encoding="utf-8"?>
+<p:sld xmlns:a="http://schemas.openxmlformats.org/drawingml/2006/main" xmlns:r="http://schemas.openxmlformats.org/officeDocument/2006/relationships" xmlns:mc="http://schemas.openxmlformats.org/markup-compatibility/2006" xmlns:mv="urn:schemas-microsoft-com:mac:vml" xmlns:p="http://schemas.openxmlformats.org/presentationml/2006/main" mc:Ignorable="mv" mc:PreserveAttributes="mv:*">
+  <p:cSld>
+    <p:spTree>
+      <p:nvGrpSpPr>
+        <p:cNvPr id="1" name=""/>
+        <p:cNvGrpSpPr/>
+        <p:nvPr/>
+      </p:nvGrpSpPr>
+      <p:grpSpPr>
+        <a:xfrm>
+          <a:off x="0" y="0"/>
+          <a:ext cx="0" cy="0"/>
+          <a:chOff x="0" y="0"/>
+          <a:chExt cx="0" cy="0"/>
+        </a:xfrm>
+      </p:grpSpPr>
+      <p:sp>
+        <p:nvSpPr>
+          <p:cNvPr id="2" name="Content Placeholder 1"/>
+          <p:cNvSpPr>
+            <a:spLocks noGrp="1"/>
+          </p:cNvSpPr>
+          <p:nvPr>
+            <p:ph idx="1"/>
+          </p:nvPr>
+        </p:nvSpPr>
+        <p:spPr>
+          <a:xfrm>
+            <a:off x="381000" y="1289303"/>
+            <a:ext cx="8407893" cy="830041"/>
+          </a:xfrm>
+        </p:spPr>
+        <p:txBody>
+          <a:bodyPr/>
+          <a:lstStyle/>
+          <a:p>
+            <a:r>
+              <a:rPr lang="en-US" dirty="0" smtClean="0"/>
+              <a:t>Summing the frequencies for the final result </a:t>
+            </a:r>
+          </a:p>
+          <a:p>
+            <a:endParaRPr lang="en-US" dirty="0" smtClean="0"/>
+          </a:p>
+        </p:txBody>
+      </p:sp>
+      <p:sp>
+        <p:nvSpPr>
+          <p:cNvPr id="3" name="Title 2"/>
+          <p:cNvSpPr>
+            <a:spLocks noGrp="1"/>
+          </p:cNvSpPr>
+          <p:nvPr>
+            <p:ph type="title"/>
+          </p:nvPr>
+        </p:nvSpPr>
+        <p:spPr/>
+        <p:txBody>
+          <a:bodyPr/>
+          <a:lstStyle/>
+          <a:p>
+            <a:endParaRPr lang="en-US"/>
+          </a:p>
+        </p:txBody>
+      </p:sp>
+      <p:pic>
+        <p:nvPicPr>
+          <p:cNvPr id="4" name="Picture 3" descr="Screen Shot 2014-03-16 at 4.46.48 PM.png"/>
+          <p:cNvPicPr>
+            <a:picLocks noChangeAspect="1"/>
+          </p:cNvPicPr>
+          <p:nvPr/>
+        </p:nvPicPr>
+        <p:blipFill>
+          <a:blip r:embed="rId2"/>
+          <a:stretch>
+            <a:fillRect/>
+          </a:stretch>
+        </p:blipFill>
+        <p:spPr>
+          <a:xfrm>
+            <a:off x="209593" y="1798951"/>
+            <a:ext cx="8250929" cy="3043811"/>
+          </a:xfrm>
+          <a:prstGeom prst="rect">
+            <a:avLst/>
+          </a:prstGeom>
+        </p:spPr>
+      </p:pic>
+    </p:spTree>
+  </p:cSld>
+  <p:clrMapOvr>
+    <a:masterClrMapping/>
+  </p:clrMapOvr>
+</p:sld>
+</file>
+
+<file path=ppt/slides/slide9.xml><?xml version="1.0" encoding="utf-8"?>
+<p:sld xmlns:a="http://schemas.openxmlformats.org/drawingml/2006/main" xmlns:r="http://schemas.openxmlformats.org/officeDocument/2006/relationships" xmlns:mc="http://schemas.openxmlformats.org/markup-compatibility/2006" xmlns:mv="urn:schemas-microsoft-com:mac:vml" xmlns:p="http://schemas.openxmlformats.org/presentationml/2006/main" mc:Ignorable="mv" mc:PreserveAttributes="mv:*">
+  <p:cSld>
+    <p:spTree>
+      <p:nvGrpSpPr>
+        <p:cNvPr id="1" name=""/>
+        <p:cNvGrpSpPr/>
+        <p:nvPr/>
+      </p:nvGrpSpPr>
+      <p:grpSpPr>
+        <a:xfrm>
+          <a:off x="0" y="0"/>
+          <a:ext cx="0" cy="0"/>
+          <a:chOff x="0" y="0"/>
+          <a:chExt cx="0" cy="0"/>
+        </a:xfrm>
+      </p:grpSpPr>
+      <p:sp>
+        <p:nvSpPr>
+          <p:cNvPr id="2" name="Content Placeholder 1"/>
+          <p:cNvSpPr>
+            <a:spLocks noGrp="1"/>
+          </p:cNvSpPr>
+          <p:nvPr>
+            <p:ph idx="1"/>
+          </p:nvPr>
+        </p:nvSpPr>
+        <p:spPr/>
+        <p:txBody>
+          <a:bodyPr/>
+          <a:lstStyle/>
+          <a:p>
+            <a:r>
+              <a:rPr lang="en-US" dirty="0" err="1" smtClean="0"/>
+              <a:t>Takk</a:t>
+            </a:r>
+            <a:r>
+              <a:rPr lang="en-US" dirty="0" smtClean="0"/>
+              <a:t> for </a:t>
+            </a:r>
+            <a:r>
+              <a:rPr lang="en-US" dirty="0" err="1" smtClean="0"/>
+              <a:t>oss</a:t>
+            </a:r>
+            <a:r>
+              <a:rPr lang="en-US" smtClean="0"/>
+              <a:t>!</a:t>
+            </a:r>
+          </a:p>
+        </p:txBody>
+      </p:sp>
+      <p:sp>
+        <p:nvSpPr>
+          <p:cNvPr id="3" name="Title 2"/>
+          <p:cNvSpPr>
+            <a:spLocks noGrp="1"/>
+          </p:cNvSpPr>
+          <p:nvPr>
+            <p:ph type="title"/>
+          </p:nvPr>
+        </p:nvSpPr>
+        <p:spPr/>
+        <p:txBody>
+          <a:bodyPr/>
+          <a:lstStyle/>
+          <a:p>
+            <a:endParaRPr lang="en-US"/>
+          </a:p>
+        </p:txBody>
+      </p:sp>
+    </p:spTree>
   </p:cSld>
   <p:clrMapOvr>
     <a:masterClrMapping/>
